--- a/floating_point.pptx
+++ b/floating_point.pptx
@@ -10,7 +10,8 @@
     <p:sldId id="258" r:id="rId4"/>
     <p:sldId id="259" r:id="rId5"/>
     <p:sldId id="260" r:id="rId6"/>
-    <p:sldId id="261" r:id="rId7"/>
+    <p:sldId id="262" r:id="rId7"/>
+    <p:sldId id="261" r:id="rId8"/>
   </p:sldIdLst>
   <p:sldSz cx="12192000" cy="6858000"/>
   <p:notesSz cx="6858000" cy="9144000"/>
@@ -109,6 +110,11 @@
       </a:defRPr>
     </a:lvl9pPr>
   </p:defaultTextStyle>
+  <p:extLst>
+    <p:ext uri="{EFAFB233-063F-42B5-8137-9DF3F51BA10A}">
+      <p15:sldGuideLst xmlns:p15="http://schemas.microsoft.com/office/powerpoint/2012/main"/>
+    </p:ext>
+  </p:extLst>
 </p:presentation>
 </file>
 
@@ -3617,8 +3623,8 @@
           </a:extLst>
         </p:spPr>
       </p:pic>
-      <mc:AlternateContent xmlns:mc="http://schemas.openxmlformats.org/markup-compatibility/2006">
-        <mc:Choice xmlns:a14="http://schemas.microsoft.com/office/drawing/2010/main" Requires="a14">
+      <mc:AlternateContent xmlns:mc="http://schemas.openxmlformats.org/markup-compatibility/2006" xmlns:a14="http://schemas.microsoft.com/office/drawing/2010/main">
+        <mc:Choice Requires="a14">
           <p:sp>
             <p:nvSpPr>
               <p:cNvPr id="4" name="TextBox 3">
@@ -3674,6 +3680,7 @@
                 <a:endParaRPr lang="en-US" sz="2400" dirty="0"/>
               </a:p>
               <a:p>
+                <a:pPr/>
                 <a14:m>
                   <m:oMathPara xmlns:m="http://schemas.openxmlformats.org/officeDocument/2006/math">
                     <m:oMathParaPr>
@@ -3742,7 +3749,7 @@
             </p:txBody>
           </p:sp>
         </mc:Choice>
-        <mc:Fallback>
+        <mc:Fallback xmlns="">
           <p:sp>
             <p:nvSpPr>
               <p:cNvPr id="4" name="TextBox 3">
@@ -4229,6 +4236,471 @@
 </file>
 
 <file path=ppt/slides/slide6.xml><?xml version="1.0" encoding="utf-8"?>
+<p:sld xmlns:a="http://schemas.openxmlformats.org/drawingml/2006/main" xmlns:r="http://schemas.openxmlformats.org/officeDocument/2006/relationships" xmlns:p="http://schemas.openxmlformats.org/presentationml/2006/main">
+  <p:cSld>
+    <p:spTree>
+      <p:nvGrpSpPr>
+        <p:cNvPr id="1" name=""/>
+        <p:cNvGrpSpPr/>
+        <p:nvPr/>
+      </p:nvGrpSpPr>
+      <p:grpSpPr>
+        <a:xfrm>
+          <a:off x="0" y="0"/>
+          <a:ext cx="0" cy="0"/>
+          <a:chOff x="0" y="0"/>
+          <a:chExt cx="0" cy="0"/>
+        </a:xfrm>
+      </p:grpSpPr>
+      <p:sp>
+        <p:nvSpPr>
+          <p:cNvPr id="2" name="Title 1">
+            <a:extLst>
+              <a:ext uri="{FF2B5EF4-FFF2-40B4-BE49-F238E27FC236}">
+                <a16:creationId xmlns:a16="http://schemas.microsoft.com/office/drawing/2014/main" id="{D3F04C0B-1BAF-7C44-842F-F6F62EC02CB4}"/>
+              </a:ext>
+            </a:extLst>
+          </p:cNvPr>
+          <p:cNvSpPr>
+            <a:spLocks noGrp="1"/>
+          </p:cNvSpPr>
+          <p:nvPr>
+            <p:ph type="title"/>
+          </p:nvPr>
+        </p:nvSpPr>
+        <p:spPr/>
+        <p:txBody>
+          <a:bodyPr/>
+          <a:lstStyle/>
+          <a:p>
+            <a:r>
+              <a:rPr lang="en-US" dirty="0"/>
+              <a:t>Sample – computing and printing 2 PI</a:t>
+            </a:r>
+          </a:p>
+        </p:txBody>
+      </p:sp>
+      <p:sp>
+        <p:nvSpPr>
+          <p:cNvPr id="3" name="Content Placeholder 2">
+            <a:extLst>
+              <a:ext uri="{FF2B5EF4-FFF2-40B4-BE49-F238E27FC236}">
+                <a16:creationId xmlns:a16="http://schemas.microsoft.com/office/drawing/2014/main" id="{59F949E4-DB3E-A640-8DC1-780D50F935D4}"/>
+              </a:ext>
+            </a:extLst>
+          </p:cNvPr>
+          <p:cNvSpPr>
+            <a:spLocks noGrp="1"/>
+          </p:cNvSpPr>
+          <p:nvPr>
+            <p:ph sz="half" idx="1"/>
+          </p:nvPr>
+        </p:nvSpPr>
+        <p:spPr/>
+        <p:txBody>
+          <a:bodyPr>
+            <a:normAutofit fontScale="92500" lnSpcReduction="20000"/>
+          </a:bodyPr>
+          <a:lstStyle/>
+          <a:p>
+            <a:pPr marL="0" indent="0">
+              <a:buNone/>
+            </a:pPr>
+            <a:r>
+              <a:rPr lang="en-US" dirty="0">
+                <a:latin typeface="Consolas" panose="020B0609020204030204" pitchFamily="49" charset="0"/>
+                <a:cs typeface="Consolas" panose="020B0609020204030204" pitchFamily="49" charset="0"/>
+              </a:rPr>
+              <a:t>	.text </a:t>
+            </a:r>
+          </a:p>
+          <a:p>
+            <a:pPr marL="0" indent="0">
+              <a:buNone/>
+            </a:pPr>
+            <a:r>
+              <a:rPr lang="en-US" dirty="0">
+                <a:latin typeface="Consolas" panose="020B0609020204030204" pitchFamily="49" charset="0"/>
+                <a:cs typeface="Consolas" panose="020B0609020204030204" pitchFamily="49" charset="0"/>
+              </a:rPr>
+              <a:t>	.align 2 </a:t>
+            </a:r>
+          </a:p>
+          <a:p>
+            <a:pPr marL="0" indent="0">
+              <a:buNone/>
+            </a:pPr>
+            <a:r>
+              <a:rPr lang="en-US" dirty="0">
+                <a:latin typeface="Consolas" panose="020B0609020204030204" pitchFamily="49" charset="0"/>
+                <a:cs typeface="Consolas" panose="020B0609020204030204" pitchFamily="49" charset="0"/>
+              </a:rPr>
+              <a:t>	.global main </a:t>
+            </a:r>
+          </a:p>
+          <a:p>
+            <a:pPr marL="0" indent="0">
+              <a:buNone/>
+            </a:pPr>
+            <a:r>
+              <a:rPr lang="en-US" dirty="0">
+                <a:latin typeface="Consolas" panose="020B0609020204030204" pitchFamily="49" charset="0"/>
+                <a:cs typeface="Consolas" panose="020B0609020204030204" pitchFamily="49" charset="0"/>
+              </a:rPr>
+              <a:t>main:	</a:t>
+            </a:r>
+          </a:p>
+          <a:p>
+            <a:pPr marL="0" indent="0">
+              <a:buNone/>
+            </a:pPr>
+            <a:r>
+              <a:rPr lang="en-US" dirty="0">
+                <a:latin typeface="Consolas" panose="020B0609020204030204" pitchFamily="49" charset="0"/>
+                <a:cs typeface="Consolas" panose="020B0609020204030204" pitchFamily="49" charset="0"/>
+              </a:rPr>
+              <a:t>	</a:t>
+            </a:r>
+            <a:r>
+              <a:rPr lang="en-US" dirty="0" err="1">
+                <a:latin typeface="Consolas" panose="020B0609020204030204" pitchFamily="49" charset="0"/>
+                <a:cs typeface="Consolas" panose="020B0609020204030204" pitchFamily="49" charset="0"/>
+              </a:rPr>
+              <a:t>stp</a:t>
+            </a:r>
+            <a:r>
+              <a:rPr lang="en-US" dirty="0">
+                <a:latin typeface="Consolas" panose="020B0609020204030204" pitchFamily="49" charset="0"/>
+                <a:cs typeface="Consolas" panose="020B0609020204030204" pitchFamily="49" charset="0"/>
+              </a:rPr>
+              <a:t> x30,x29,[</a:t>
+            </a:r>
+            <a:r>
+              <a:rPr lang="en-US" dirty="0" err="1">
+                <a:latin typeface="Consolas" panose="020B0609020204030204" pitchFamily="49" charset="0"/>
+                <a:cs typeface="Consolas" panose="020B0609020204030204" pitchFamily="49" charset="0"/>
+              </a:rPr>
+              <a:t>sp</a:t>
+            </a:r>
+            <a:r>
+              <a:rPr lang="en-US" dirty="0">
+                <a:latin typeface="Consolas" panose="020B0609020204030204" pitchFamily="49" charset="0"/>
+                <a:cs typeface="Consolas" panose="020B0609020204030204" pitchFamily="49" charset="0"/>
+              </a:rPr>
+              <a:t>, -16]! </a:t>
+            </a:r>
+          </a:p>
+          <a:p>
+            <a:pPr marL="0" indent="0">
+              <a:buNone/>
+            </a:pPr>
+            <a:r>
+              <a:rPr lang="en-US" dirty="0">
+                <a:latin typeface="Consolas" panose="020B0609020204030204" pitchFamily="49" charset="0"/>
+                <a:cs typeface="Consolas" panose="020B0609020204030204" pitchFamily="49" charset="0"/>
+              </a:rPr>
+              <a:t>	</a:t>
+            </a:r>
+            <a:r>
+              <a:rPr lang="en-US" i="1" u="sng" dirty="0" err="1">
+                <a:latin typeface="Consolas" panose="020B0609020204030204" pitchFamily="49" charset="0"/>
+                <a:cs typeface="Consolas" panose="020B0609020204030204" pitchFamily="49" charset="0"/>
+              </a:rPr>
+              <a:t>ldr</a:t>
+            </a:r>
+            <a:r>
+              <a:rPr lang="en-US" i="1" dirty="0">
+                <a:latin typeface="Consolas" panose="020B0609020204030204" pitchFamily="49" charset="0"/>
+                <a:cs typeface="Consolas" panose="020B0609020204030204" pitchFamily="49" charset="0"/>
+              </a:rPr>
+              <a:t> d0, pi </a:t>
+            </a:r>
+          </a:p>
+          <a:p>
+            <a:pPr marL="0" indent="0">
+              <a:buNone/>
+            </a:pPr>
+            <a:r>
+              <a:rPr lang="en-US" dirty="0">
+                <a:latin typeface="Consolas" panose="020B0609020204030204" pitchFamily="49" charset="0"/>
+                <a:cs typeface="Consolas" panose="020B0609020204030204" pitchFamily="49" charset="0"/>
+              </a:rPr>
+              <a:t>	</a:t>
+            </a:r>
+            <a:r>
+              <a:rPr lang="en-US" dirty="0" err="1">
+                <a:latin typeface="Consolas" panose="020B0609020204030204" pitchFamily="49" charset="0"/>
+                <a:cs typeface="Consolas" panose="020B0609020204030204" pitchFamily="49" charset="0"/>
+              </a:rPr>
+              <a:t>fadd</a:t>
+            </a:r>
+            <a:r>
+              <a:rPr lang="en-US" dirty="0">
+                <a:latin typeface="Consolas" panose="020B0609020204030204" pitchFamily="49" charset="0"/>
+                <a:cs typeface="Consolas" panose="020B0609020204030204" pitchFamily="49" charset="0"/>
+              </a:rPr>
+              <a:t> d0, d0, d0 </a:t>
+            </a:r>
+          </a:p>
+          <a:p>
+            <a:pPr marL="0" indent="0">
+              <a:buNone/>
+            </a:pPr>
+            <a:r>
+              <a:rPr lang="en-US" dirty="0">
+                <a:latin typeface="Consolas" panose="020B0609020204030204" pitchFamily="49" charset="0"/>
+                <a:cs typeface="Consolas" panose="020B0609020204030204" pitchFamily="49" charset="0"/>
+              </a:rPr>
+              <a:t>	bl cos</a:t>
+            </a:r>
+          </a:p>
+          <a:p>
+            <a:pPr marL="0" indent="0">
+              <a:buNone/>
+            </a:pPr>
+            <a:r>
+              <a:rPr lang="en-US" dirty="0">
+                <a:latin typeface="Consolas" panose="020B0609020204030204" pitchFamily="49" charset="0"/>
+                <a:cs typeface="Consolas" panose="020B0609020204030204" pitchFamily="49" charset="0"/>
+              </a:rPr>
+              <a:t>	</a:t>
+            </a:r>
+            <a:r>
+              <a:rPr lang="en-US" dirty="0" err="1">
+                <a:latin typeface="Consolas" panose="020B0609020204030204" pitchFamily="49" charset="0"/>
+                <a:cs typeface="Consolas" panose="020B0609020204030204" pitchFamily="49" charset="0"/>
+              </a:rPr>
+              <a:t>adr</a:t>
+            </a:r>
+            <a:r>
+              <a:rPr lang="en-US" dirty="0">
+                <a:latin typeface="Consolas" panose="020B0609020204030204" pitchFamily="49" charset="0"/>
+                <a:cs typeface="Consolas" panose="020B0609020204030204" pitchFamily="49" charset="0"/>
+              </a:rPr>
+              <a:t> x0, p </a:t>
+            </a:r>
+          </a:p>
+          <a:p>
+            <a:pPr marL="0" indent="0">
+              <a:buNone/>
+            </a:pPr>
+            <a:r>
+              <a:rPr lang="en-US" dirty="0">
+                <a:latin typeface="Consolas" panose="020B0609020204030204" pitchFamily="49" charset="0"/>
+                <a:cs typeface="Consolas" panose="020B0609020204030204" pitchFamily="49" charset="0"/>
+              </a:rPr>
+              <a:t>	bl </a:t>
+            </a:r>
+            <a:r>
+              <a:rPr lang="en-US" dirty="0" err="1">
+                <a:latin typeface="Consolas" panose="020B0609020204030204" pitchFamily="49" charset="0"/>
+                <a:cs typeface="Consolas" panose="020B0609020204030204" pitchFamily="49" charset="0"/>
+              </a:rPr>
+              <a:t>printf</a:t>
+            </a:r>
+            <a:endParaRPr lang="en-US" dirty="0">
+              <a:latin typeface="Consolas" panose="020B0609020204030204" pitchFamily="49" charset="0"/>
+              <a:cs typeface="Consolas" panose="020B0609020204030204" pitchFamily="49" charset="0"/>
+            </a:endParaRPr>
+          </a:p>
+        </p:txBody>
+      </p:sp>
+      <p:sp>
+        <p:nvSpPr>
+          <p:cNvPr id="4" name="Content Placeholder 3">
+            <a:extLst>
+              <a:ext uri="{FF2B5EF4-FFF2-40B4-BE49-F238E27FC236}">
+                <a16:creationId xmlns:a16="http://schemas.microsoft.com/office/drawing/2014/main" id="{B2DE7FFB-0224-D542-A2D2-1737BDF6EF1C}"/>
+              </a:ext>
+            </a:extLst>
+          </p:cNvPr>
+          <p:cNvSpPr>
+            <a:spLocks noGrp="1"/>
+          </p:cNvSpPr>
+          <p:nvPr>
+            <p:ph sz="half" idx="2"/>
+          </p:nvPr>
+        </p:nvSpPr>
+        <p:spPr/>
+        <p:txBody>
+          <a:bodyPr>
+            <a:normAutofit fontScale="92500" lnSpcReduction="20000"/>
+          </a:bodyPr>
+          <a:lstStyle/>
+          <a:p>
+            <a:pPr marL="0" indent="0">
+              <a:buNone/>
+            </a:pPr>
+            <a:r>
+              <a:rPr lang="en-US" dirty="0">
+                <a:latin typeface="Consolas" panose="020B0609020204030204" pitchFamily="49" charset="0"/>
+                <a:cs typeface="Consolas" panose="020B0609020204030204" pitchFamily="49" charset="0"/>
+              </a:rPr>
+              <a:t>	</a:t>
+            </a:r>
+            <a:r>
+              <a:rPr lang="en-US" dirty="0" err="1">
+                <a:latin typeface="Consolas" panose="020B0609020204030204" pitchFamily="49" charset="0"/>
+                <a:cs typeface="Consolas" panose="020B0609020204030204" pitchFamily="49" charset="0"/>
+              </a:rPr>
+              <a:t>ldp</a:t>
+            </a:r>
+            <a:r>
+              <a:rPr lang="en-US" dirty="0">
+                <a:latin typeface="Consolas" panose="020B0609020204030204" pitchFamily="49" charset="0"/>
+                <a:cs typeface="Consolas" panose="020B0609020204030204" pitchFamily="49" charset="0"/>
+              </a:rPr>
+              <a:t> x30, x29, [</a:t>
+            </a:r>
+            <a:r>
+              <a:rPr lang="en-US" dirty="0" err="1">
+                <a:latin typeface="Consolas" panose="020B0609020204030204" pitchFamily="49" charset="0"/>
+                <a:cs typeface="Consolas" panose="020B0609020204030204" pitchFamily="49" charset="0"/>
+              </a:rPr>
+              <a:t>sp</a:t>
+            </a:r>
+            <a:r>
+              <a:rPr lang="en-US" dirty="0">
+                <a:latin typeface="Consolas" panose="020B0609020204030204" pitchFamily="49" charset="0"/>
+                <a:cs typeface="Consolas" panose="020B0609020204030204" pitchFamily="49" charset="0"/>
+              </a:rPr>
+              <a:t>], 16 </a:t>
+            </a:r>
+          </a:p>
+          <a:p>
+            <a:pPr marL="0" indent="0">
+              <a:buNone/>
+            </a:pPr>
+            <a:r>
+              <a:rPr lang="en-US" dirty="0">
+                <a:latin typeface="Consolas" panose="020B0609020204030204" pitchFamily="49" charset="0"/>
+                <a:cs typeface="Consolas" panose="020B0609020204030204" pitchFamily="49" charset="0"/>
+              </a:rPr>
+              <a:t>	mov x0, </a:t>
+            </a:r>
+            <a:r>
+              <a:rPr lang="en-US" dirty="0" err="1">
+                <a:latin typeface="Consolas" panose="020B0609020204030204" pitchFamily="49" charset="0"/>
+                <a:cs typeface="Consolas" panose="020B0609020204030204" pitchFamily="49" charset="0"/>
+              </a:rPr>
+              <a:t>xzr</a:t>
+            </a:r>
+            <a:r>
+              <a:rPr lang="en-US" dirty="0">
+                <a:latin typeface="Consolas" panose="020B0609020204030204" pitchFamily="49" charset="0"/>
+                <a:cs typeface="Consolas" panose="020B0609020204030204" pitchFamily="49" charset="0"/>
+              </a:rPr>
+              <a:t> </a:t>
+            </a:r>
+          </a:p>
+          <a:p>
+            <a:pPr marL="0" indent="0">
+              <a:buNone/>
+            </a:pPr>
+            <a:r>
+              <a:rPr lang="en-US" dirty="0">
+                <a:latin typeface="Consolas" panose="020B0609020204030204" pitchFamily="49" charset="0"/>
+                <a:cs typeface="Consolas" panose="020B0609020204030204" pitchFamily="49" charset="0"/>
+              </a:rPr>
+              <a:t>	ret </a:t>
+            </a:r>
+          </a:p>
+          <a:p>
+            <a:pPr marL="0" indent="0">
+              <a:buNone/>
+            </a:pPr>
+            <a:r>
+              <a:rPr lang="en-US" dirty="0">
+                <a:latin typeface="Consolas" panose="020B0609020204030204" pitchFamily="49" charset="0"/>
+                <a:cs typeface="Consolas" panose="020B0609020204030204" pitchFamily="49" charset="0"/>
+              </a:rPr>
+              <a:t>	.data</a:t>
+            </a:r>
+          </a:p>
+          <a:p>
+            <a:pPr marL="0" indent="0">
+              <a:buNone/>
+            </a:pPr>
+            <a:r>
+              <a:rPr lang="en-US" dirty="0">
+                <a:latin typeface="Consolas" panose="020B0609020204030204" pitchFamily="49" charset="0"/>
+                <a:cs typeface="Consolas" panose="020B0609020204030204" pitchFamily="49" charset="0"/>
+              </a:rPr>
+              <a:t>pi: .double 3.14159265359 </a:t>
+            </a:r>
+          </a:p>
+          <a:p>
+            <a:pPr marL="0" indent="0">
+              <a:buNone/>
+            </a:pPr>
+            <a:r>
+              <a:rPr lang="en-US" dirty="0">
+                <a:latin typeface="Consolas" panose="020B0609020204030204" pitchFamily="49" charset="0"/>
+                <a:cs typeface="Consolas" panose="020B0609020204030204" pitchFamily="49" charset="0"/>
+              </a:rPr>
+              <a:t>p: .</a:t>
+            </a:r>
+            <a:r>
+              <a:rPr lang="en-US" dirty="0" err="1">
+                <a:latin typeface="Consolas" panose="020B0609020204030204" pitchFamily="49" charset="0"/>
+                <a:cs typeface="Consolas" panose="020B0609020204030204" pitchFamily="49" charset="0"/>
+              </a:rPr>
+              <a:t>asciz</a:t>
+            </a:r>
+            <a:r>
+              <a:rPr lang="en-US" dirty="0">
+                <a:latin typeface="Consolas" panose="020B0609020204030204" pitchFamily="49" charset="0"/>
+                <a:cs typeface="Consolas" panose="020B0609020204030204" pitchFamily="49" charset="0"/>
+              </a:rPr>
+              <a:t> </a:t>
+            </a:r>
+          </a:p>
+          <a:p>
+            <a:pPr marL="0" indent="0">
+              <a:buNone/>
+            </a:pPr>
+            <a:r>
+              <a:rPr lang="en-US" dirty="0">
+                <a:latin typeface="Consolas" panose="020B0609020204030204" pitchFamily="49" charset="0"/>
+                <a:cs typeface="Consolas" panose="020B0609020204030204" pitchFamily="49" charset="0"/>
+              </a:rPr>
+              <a:t>	"cos(2 * pi) is: %f\n" </a:t>
+            </a:r>
+          </a:p>
+          <a:p>
+            <a:pPr marL="0" indent="0">
+              <a:buNone/>
+            </a:pPr>
+            <a:r>
+              <a:rPr lang="en-US" dirty="0">
+                <a:latin typeface="Consolas" panose="020B0609020204030204" pitchFamily="49" charset="0"/>
+                <a:cs typeface="Consolas" panose="020B0609020204030204" pitchFamily="49" charset="0"/>
+              </a:rPr>
+              <a:t>	.end</a:t>
+            </a:r>
+          </a:p>
+          <a:p>
+            <a:pPr marL="0" indent="0">
+              <a:buNone/>
+            </a:pPr>
+            <a:endParaRPr lang="en-US" dirty="0"/>
+          </a:p>
+        </p:txBody>
+      </p:sp>
+    </p:spTree>
+    <p:extLst>
+      <p:ext uri="{BB962C8B-B14F-4D97-AF65-F5344CB8AC3E}">
+        <p14:creationId xmlns:p14="http://schemas.microsoft.com/office/powerpoint/2010/main" val="612241335"/>
+      </p:ext>
+    </p:extLst>
+  </p:cSld>
+  <p:clrMapOvr>
+    <a:masterClrMapping/>
+  </p:clrMapOvr>
+</p:sld>
+</file>
+
+<file path=ppt/slides/slide7.xml><?xml version="1.0" encoding="utf-8"?>
 <p:sld xmlns:a="http://schemas.openxmlformats.org/drawingml/2006/main" xmlns:r="http://schemas.openxmlformats.org/officeDocument/2006/relationships" xmlns:p="http://schemas.openxmlformats.org/presentationml/2006/main">
   <p:cSld>
     <p:spTree>
